--- a/PPTs/01 Getting Started.pptx
+++ b/PPTs/01 Getting Started.pptx
@@ -5,7 +5,7 @@
     <p:sldMasterId id="2147483672" r:id="rId1"/>
   </p:sldMasterIdLst>
   <p:notesMasterIdLst>
-    <p:notesMasterId r:id="rId22"/>
+    <p:notesMasterId r:id="rId23"/>
   </p:notesMasterIdLst>
   <p:sldIdLst>
     <p:sldId id="256" r:id="rId2"/>
@@ -26,8 +26,9 @@
     <p:sldId id="364" r:id="rId17"/>
     <p:sldId id="365" r:id="rId18"/>
     <p:sldId id="366" r:id="rId19"/>
-    <p:sldId id="367" r:id="rId20"/>
-    <p:sldId id="351" r:id="rId21"/>
+    <p:sldId id="368" r:id="rId20"/>
+    <p:sldId id="367" r:id="rId21"/>
+    <p:sldId id="351" r:id="rId22"/>
   </p:sldIdLst>
   <p:sldSz cx="9144000" cy="6858000" type="screen4x3"/>
   <p:notesSz cx="6858000" cy="9144000"/>
@@ -5854,7 +5855,7 @@
             <a:fld id="{BC6FC07C-0485-40B9-BC68-01FB6F3C1F19}" type="datetimeFigureOut">
               <a:rPr lang="en-US" smtClean="0"/>
               <a:pPr/>
-              <a:t>9/27/2018</a:t>
+              <a:t>9/28/2018</a:t>
             </a:fld>
             <a:endParaRPr lang="en-US"/>
           </a:p>
@@ -17259,7 +17260,7 @@
           <p:cNvPr id="2" name="Title 1">
             <a:extLst>
               <a:ext uri="{FF2B5EF4-FFF2-40B4-BE49-F238E27FC236}">
-                <a16:creationId xmlns:a16="http://schemas.microsoft.com/office/drawing/2014/main" id="{EB27E580-F7B9-4E02-95FB-7A1AB3C1B0E6}"/>
+                <a16:creationId xmlns:a16="http://schemas.microsoft.com/office/drawing/2014/main" id="{385A0815-878E-449B-B368-75DB3EDB81B3}"/>
               </a:ext>
             </a:extLst>
           </p:cNvPr>
@@ -17277,7 +17278,7 @@
           <a:p>
             <a:r>
               <a:rPr lang="en-US" dirty="0"/>
-              <a:t>Adding Typescript support</a:t>
+              <a:t>Production Build</a:t>
             </a:r>
             <a:endParaRPr lang="he-IL" dirty="0"/>
           </a:p>
@@ -17288,7 +17289,7 @@
           <p:cNvPr id="3" name="Footer Placeholder 2">
             <a:extLst>
               <a:ext uri="{FF2B5EF4-FFF2-40B4-BE49-F238E27FC236}">
-                <a16:creationId xmlns:a16="http://schemas.microsoft.com/office/drawing/2014/main" id="{F572FB1B-1AEC-43D4-A7D1-E07AF1E74AC6}"/>
+                <a16:creationId xmlns:a16="http://schemas.microsoft.com/office/drawing/2014/main" id="{64E42DD0-4D40-4094-A48B-72BAE2A2C630}"/>
               </a:ext>
             </a:extLst>
           </p:cNvPr>
@@ -17317,7 +17318,7 @@
           <p:cNvPr id="4" name="Slide Number Placeholder 3">
             <a:extLst>
               <a:ext uri="{FF2B5EF4-FFF2-40B4-BE49-F238E27FC236}">
-                <a16:creationId xmlns:a16="http://schemas.microsoft.com/office/drawing/2014/main" id="{553BE0BF-ACBD-43C6-9981-61D9FFA16045}"/>
+                <a16:creationId xmlns:a16="http://schemas.microsoft.com/office/drawing/2014/main" id="{51A450BB-6B48-490E-9BAD-1B8C797AD4D0}"/>
               </a:ext>
             </a:extLst>
           </p:cNvPr>
@@ -17349,7 +17350,7 @@
           <p:cNvPr id="5" name="Content Placeholder 4">
             <a:extLst>
               <a:ext uri="{FF2B5EF4-FFF2-40B4-BE49-F238E27FC236}">
-                <a16:creationId xmlns:a16="http://schemas.microsoft.com/office/drawing/2014/main" id="{DD77CF88-1CA3-42FF-86C0-7184FC66715A}"/>
+                <a16:creationId xmlns:a16="http://schemas.microsoft.com/office/drawing/2014/main" id="{E04D3864-13F8-413F-B526-CB65566C5FA6}"/>
               </a:ext>
             </a:extLst>
           </p:cNvPr>
@@ -17366,63 +17367,36 @@
           <a:lstStyle/>
           <a:p>
             <a:r>
+              <a:rPr lang="en-US" dirty="0">
+                <a:solidFill>
+                  <a:srgbClr val="FF0000"/>
+                </a:solidFill>
+              </a:rPr>
+              <a:t>yarn run build</a:t>
+            </a:r>
+          </a:p>
+          <a:p>
+            <a:r>
               <a:rPr lang="en-US" dirty="0"/>
-              <a:t>We use the same create-react-app but with different plugin</a:t>
-            </a:r>
-          </a:p>
-          <a:p>
-            <a:endParaRPr lang="he-IL" dirty="0"/>
-          </a:p>
-        </p:txBody>
-      </p:sp>
-      <p:sp>
-        <p:nvSpPr>
-          <p:cNvPr id="6" name="Rectangle 5">
-            <a:extLst>
-              <a:ext uri="{FF2B5EF4-FFF2-40B4-BE49-F238E27FC236}">
-                <a16:creationId xmlns:a16="http://schemas.microsoft.com/office/drawing/2014/main" id="{61BF12DC-10D7-4B13-8CED-CE2EF3FAB860}"/>
-              </a:ext>
-            </a:extLst>
-          </p:cNvPr>
-          <p:cNvSpPr/>
-          <p:nvPr/>
-        </p:nvSpPr>
-        <p:spPr>
-          <a:xfrm>
-            <a:off x="1484784" y="2780928"/>
-            <a:ext cx="6174432" cy="369332"/>
-          </a:xfrm>
-          <a:prstGeom prst="rect">
-            <a:avLst/>
-          </a:prstGeom>
-          <a:solidFill>
-            <a:schemeClr val="accent1">
-              <a:lumMod val="40000"/>
-              <a:lumOff val="60000"/>
-            </a:schemeClr>
-          </a:solidFill>
-        </p:spPr>
-        <p:txBody>
-          <a:bodyPr wrap="square">
-            <a:spAutoFit/>
-          </a:bodyPr>
-          <a:lstStyle/>
-          <a:p>
-            <a:r>
-              <a:rPr lang="en-US" dirty="0">
-                <a:latin typeface="Calibri" panose="020F0502020204030204" pitchFamily="34" charset="0"/>
-                <a:ea typeface="Calibri" panose="020F0502020204030204" pitchFamily="34" charset="0"/>
-                <a:cs typeface="Arial" panose="020B0604020202020204" pitchFamily="34" charset="0"/>
-              </a:rPr>
-              <a:t>yarn create react-app my-app --scripts-version=react-scripts-</a:t>
-            </a:r>
-            <a:r>
-              <a:rPr lang="en-US" dirty="0" err="1">
-                <a:latin typeface="Calibri" panose="020F0502020204030204" pitchFamily="34" charset="0"/>
-                <a:ea typeface="Calibri" panose="020F0502020204030204" pitchFamily="34" charset="0"/>
-                <a:cs typeface="Arial" panose="020B0604020202020204" pitchFamily="34" charset="0"/>
-              </a:rPr>
-              <a:t>ts</a:t>
+              <a:t>Outputs files to the build folder</a:t>
+            </a:r>
+          </a:p>
+          <a:p>
+            <a:r>
+              <a:rPr lang="en-US" dirty="0"/>
+              <a:t>Bundling and minification</a:t>
+            </a:r>
+          </a:p>
+          <a:p>
+            <a:r>
+              <a:rPr lang="en-US" dirty="0"/>
+              <a:t>Include file hashes (cache buster)</a:t>
+            </a:r>
+          </a:p>
+          <a:p>
+            <a:r>
+              <a:rPr lang="en-US" dirty="0"/>
+              <a:t>Include service worker</a:t>
             </a:r>
             <a:endParaRPr lang="he-IL" dirty="0"/>
           </a:p>
@@ -17431,7 +17405,7 @@
     </p:spTree>
     <p:extLst>
       <p:ext uri="{BB962C8B-B14F-4D97-AF65-F5344CB8AC3E}">
-        <p14:creationId xmlns:p14="http://schemas.microsoft.com/office/powerpoint/2010/main" val="967009657"/>
+        <p14:creationId xmlns:p14="http://schemas.microsoft.com/office/powerpoint/2010/main" val="3501427051"/>
       </p:ext>
     </p:extLst>
   </p:cSld>
@@ -17595,6 +17569,210 @@
           <p:cNvPr id="2" name="Title 1">
             <a:extLst>
               <a:ext uri="{FF2B5EF4-FFF2-40B4-BE49-F238E27FC236}">
+                <a16:creationId xmlns:a16="http://schemas.microsoft.com/office/drawing/2014/main" id="{EB27E580-F7B9-4E02-95FB-7A1AB3C1B0E6}"/>
+              </a:ext>
+            </a:extLst>
+          </p:cNvPr>
+          <p:cNvSpPr>
+            <a:spLocks noGrp="1"/>
+          </p:cNvSpPr>
+          <p:nvPr>
+            <p:ph type="title"/>
+          </p:nvPr>
+        </p:nvSpPr>
+        <p:spPr/>
+        <p:txBody>
+          <a:bodyPr/>
+          <a:lstStyle/>
+          <a:p>
+            <a:r>
+              <a:rPr lang="en-US" dirty="0"/>
+              <a:t>Adding Typescript support</a:t>
+            </a:r>
+            <a:endParaRPr lang="he-IL" dirty="0"/>
+          </a:p>
+        </p:txBody>
+      </p:sp>
+      <p:sp>
+        <p:nvSpPr>
+          <p:cNvPr id="3" name="Footer Placeholder 2">
+            <a:extLst>
+              <a:ext uri="{FF2B5EF4-FFF2-40B4-BE49-F238E27FC236}">
+                <a16:creationId xmlns:a16="http://schemas.microsoft.com/office/drawing/2014/main" id="{F572FB1B-1AEC-43D4-A7D1-E07AF1E74AC6}"/>
+              </a:ext>
+            </a:extLst>
+          </p:cNvPr>
+          <p:cNvSpPr>
+            <a:spLocks noGrp="1"/>
+          </p:cNvSpPr>
+          <p:nvPr>
+            <p:ph type="ftr" sz="quarter" idx="11"/>
+          </p:nvPr>
+        </p:nvSpPr>
+        <p:spPr/>
+        <p:txBody>
+          <a:bodyPr/>
+          <a:lstStyle/>
+          <a:p>
+            <a:r>
+              <a:rPr lang="en-US"/>
+              <a:t>© 2018 Ori Calvo</a:t>
+            </a:r>
+            <a:endParaRPr lang="en-US" dirty="0"/>
+          </a:p>
+        </p:txBody>
+      </p:sp>
+      <p:sp>
+        <p:nvSpPr>
+          <p:cNvPr id="4" name="Slide Number Placeholder 3">
+            <a:extLst>
+              <a:ext uri="{FF2B5EF4-FFF2-40B4-BE49-F238E27FC236}">
+                <a16:creationId xmlns:a16="http://schemas.microsoft.com/office/drawing/2014/main" id="{553BE0BF-ACBD-43C6-9981-61D9FFA16045}"/>
+              </a:ext>
+            </a:extLst>
+          </p:cNvPr>
+          <p:cNvSpPr>
+            <a:spLocks noGrp="1"/>
+          </p:cNvSpPr>
+          <p:nvPr>
+            <p:ph type="sldNum" sz="quarter" idx="12"/>
+          </p:nvPr>
+        </p:nvSpPr>
+        <p:spPr/>
+        <p:txBody>
+          <a:bodyPr>
+            <a:normAutofit fontScale="85000" lnSpcReduction="20000"/>
+          </a:bodyPr>
+          <a:lstStyle/>
+          <a:p>
+            <a:fld id="{87B78B44-2135-4DB2-B732-E7D5FFF77B6A}" type="slidenum">
+              <a:rPr lang="en-US" smtClean="0"/>
+              <a:pPr/>
+              <a:t>20</a:t>
+            </a:fld>
+            <a:endParaRPr lang="en-US"/>
+          </a:p>
+        </p:txBody>
+      </p:sp>
+      <p:sp>
+        <p:nvSpPr>
+          <p:cNvPr id="5" name="Content Placeholder 4">
+            <a:extLst>
+              <a:ext uri="{FF2B5EF4-FFF2-40B4-BE49-F238E27FC236}">
+                <a16:creationId xmlns:a16="http://schemas.microsoft.com/office/drawing/2014/main" id="{DD77CF88-1CA3-42FF-86C0-7184FC66715A}"/>
+              </a:ext>
+            </a:extLst>
+          </p:cNvPr>
+          <p:cNvSpPr>
+            <a:spLocks noGrp="1"/>
+          </p:cNvSpPr>
+          <p:nvPr>
+            <p:ph sz="quarter" idx="1"/>
+          </p:nvPr>
+        </p:nvSpPr>
+        <p:spPr/>
+        <p:txBody>
+          <a:bodyPr/>
+          <a:lstStyle/>
+          <a:p>
+            <a:r>
+              <a:rPr lang="en-US" dirty="0"/>
+              <a:t>We use the same create-react-app but with different plugin</a:t>
+            </a:r>
+          </a:p>
+          <a:p>
+            <a:endParaRPr lang="he-IL" dirty="0"/>
+          </a:p>
+        </p:txBody>
+      </p:sp>
+      <p:sp>
+        <p:nvSpPr>
+          <p:cNvPr id="6" name="Rectangle 5">
+            <a:extLst>
+              <a:ext uri="{FF2B5EF4-FFF2-40B4-BE49-F238E27FC236}">
+                <a16:creationId xmlns:a16="http://schemas.microsoft.com/office/drawing/2014/main" id="{61BF12DC-10D7-4B13-8CED-CE2EF3FAB860}"/>
+              </a:ext>
+            </a:extLst>
+          </p:cNvPr>
+          <p:cNvSpPr/>
+          <p:nvPr/>
+        </p:nvSpPr>
+        <p:spPr>
+          <a:xfrm>
+            <a:off x="1484784" y="2780928"/>
+            <a:ext cx="6174432" cy="369332"/>
+          </a:xfrm>
+          <a:prstGeom prst="rect">
+            <a:avLst/>
+          </a:prstGeom>
+          <a:solidFill>
+            <a:schemeClr val="accent1">
+              <a:lumMod val="40000"/>
+              <a:lumOff val="60000"/>
+            </a:schemeClr>
+          </a:solidFill>
+        </p:spPr>
+        <p:txBody>
+          <a:bodyPr wrap="square">
+            <a:spAutoFit/>
+          </a:bodyPr>
+          <a:lstStyle/>
+          <a:p>
+            <a:r>
+              <a:rPr lang="en-US" dirty="0">
+                <a:latin typeface="Calibri" panose="020F0502020204030204" pitchFamily="34" charset="0"/>
+                <a:ea typeface="Calibri" panose="020F0502020204030204" pitchFamily="34" charset="0"/>
+                <a:cs typeface="Arial" panose="020B0604020202020204" pitchFamily="34" charset="0"/>
+              </a:rPr>
+              <a:t>yarn create react-app my-app --scripts-version=react-scripts-</a:t>
+            </a:r>
+            <a:r>
+              <a:rPr lang="en-US" dirty="0" err="1">
+                <a:latin typeface="Calibri" panose="020F0502020204030204" pitchFamily="34" charset="0"/>
+                <a:ea typeface="Calibri" panose="020F0502020204030204" pitchFamily="34" charset="0"/>
+                <a:cs typeface="Arial" panose="020B0604020202020204" pitchFamily="34" charset="0"/>
+              </a:rPr>
+              <a:t>ts</a:t>
+            </a:r>
+            <a:endParaRPr lang="he-IL" dirty="0"/>
+          </a:p>
+        </p:txBody>
+      </p:sp>
+    </p:spTree>
+    <p:extLst>
+      <p:ext uri="{BB962C8B-B14F-4D97-AF65-F5344CB8AC3E}">
+        <p14:creationId xmlns:p14="http://schemas.microsoft.com/office/powerpoint/2010/main" val="967009657"/>
+      </p:ext>
+    </p:extLst>
+  </p:cSld>
+  <p:clrMapOvr>
+    <a:masterClrMapping/>
+  </p:clrMapOvr>
+</p:sld>
+</file>
+
+<file path=ppt/slides/slide21.xml><?xml version="1.0" encoding="utf-8"?>
+<p:sld xmlns:a="http://schemas.openxmlformats.org/drawingml/2006/main" xmlns:r="http://schemas.openxmlformats.org/officeDocument/2006/relationships" xmlns:p="http://schemas.openxmlformats.org/presentationml/2006/main">
+  <p:cSld>
+    <p:spTree>
+      <p:nvGrpSpPr>
+        <p:cNvPr id="1" name=""/>
+        <p:cNvGrpSpPr/>
+        <p:nvPr/>
+      </p:nvGrpSpPr>
+      <p:grpSpPr>
+        <a:xfrm>
+          <a:off x="0" y="0"/>
+          <a:ext cx="0" cy="0"/>
+          <a:chOff x="0" y="0"/>
+          <a:chExt cx="0" cy="0"/>
+        </a:xfrm>
+      </p:grpSpPr>
+      <p:sp>
+        <p:nvSpPr>
+          <p:cNvPr id="2" name="Title 1">
+            <a:extLst>
+              <a:ext uri="{FF2B5EF4-FFF2-40B4-BE49-F238E27FC236}">
                 <a16:creationId xmlns:a16="http://schemas.microsoft.com/office/drawing/2014/main" id="{C77B57C4-38D7-4ADC-84BC-9E157BAF220E}"/>
               </a:ext>
             </a:extLst>
@@ -17674,7 +17852,7 @@
             <a:fld id="{87B78B44-2135-4DB2-B732-E7D5FFF77B6A}" type="slidenum">
               <a:rPr lang="en-US" smtClean="0"/>
               <a:pPr/>
-              <a:t>20</a:t>
+              <a:t>21</a:t>
             </a:fld>
             <a:endParaRPr lang="en-US"/>
           </a:p>

--- a/PPTs/01 Getting Started.pptx
+++ b/PPTs/01 Getting Started.pptx
@@ -5,7 +5,7 @@
     <p:sldMasterId id="2147483672" r:id="rId1"/>
   </p:sldMasterIdLst>
   <p:notesMasterIdLst>
-    <p:notesMasterId r:id="rId23"/>
+    <p:notesMasterId r:id="rId25"/>
   </p:notesMasterIdLst>
   <p:sldIdLst>
     <p:sldId id="256" r:id="rId2"/>
@@ -28,7 +28,9 @@
     <p:sldId id="366" r:id="rId19"/>
     <p:sldId id="368" r:id="rId20"/>
     <p:sldId id="367" r:id="rId21"/>
-    <p:sldId id="351" r:id="rId22"/>
+    <p:sldId id="369" r:id="rId22"/>
+    <p:sldId id="370" r:id="rId23"/>
+    <p:sldId id="351" r:id="rId24"/>
   </p:sldIdLst>
   <p:sldSz cx="9144000" cy="6858000" type="screen4x3"/>
   <p:notesSz cx="6858000" cy="9144000"/>
@@ -17681,6 +17683,35 @@
             </a:r>
           </a:p>
           <a:p>
+            <a:endParaRPr lang="en-US" dirty="0"/>
+          </a:p>
+          <a:p>
+            <a:endParaRPr lang="en-US" dirty="0"/>
+          </a:p>
+          <a:p>
+            <a:r>
+              <a:rPr lang="en-US" dirty="0"/>
+              <a:t>Use </a:t>
+            </a:r>
+            <a:r>
+              <a:rPr lang="en-US" dirty="0">
+                <a:solidFill>
+                  <a:srgbClr val="FF0000"/>
+                </a:solidFill>
+              </a:rPr>
+              <a:t>yarn start</a:t>
+            </a:r>
+            <a:r>
+              <a:rPr lang="en-US" dirty="0"/>
+              <a:t> as </a:t>
+            </a:r>
+            <a:r>
+              <a:rPr lang="en-US" dirty="0" err="1"/>
+              <a:t>usuall</a:t>
+            </a:r>
+            <a:endParaRPr lang="en-US" dirty="0"/>
+          </a:p>
+          <a:p>
             <a:endParaRPr lang="he-IL" dirty="0"/>
           </a:p>
         </p:txBody>
@@ -17773,6 +17804,348 @@
           <p:cNvPr id="2" name="Title 1">
             <a:extLst>
               <a:ext uri="{FF2B5EF4-FFF2-40B4-BE49-F238E27FC236}">
+                <a16:creationId xmlns:a16="http://schemas.microsoft.com/office/drawing/2014/main" id="{0CF43F87-D70E-4667-A47A-91A691D2E353}"/>
+              </a:ext>
+            </a:extLst>
+          </p:cNvPr>
+          <p:cNvSpPr>
+            <a:spLocks noGrp="1"/>
+          </p:cNvSpPr>
+          <p:nvPr>
+            <p:ph type="title"/>
+          </p:nvPr>
+        </p:nvSpPr>
+        <p:spPr/>
+        <p:txBody>
+          <a:bodyPr/>
+          <a:lstStyle/>
+          <a:p>
+            <a:r>
+              <a:rPr lang="en-US" dirty="0"/>
+              <a:t>yarn eject </a:t>
+            </a:r>
+            <a:endParaRPr lang="he-IL" dirty="0"/>
+          </a:p>
+        </p:txBody>
+      </p:sp>
+      <p:sp>
+        <p:nvSpPr>
+          <p:cNvPr id="3" name="Footer Placeholder 2">
+            <a:extLst>
+              <a:ext uri="{FF2B5EF4-FFF2-40B4-BE49-F238E27FC236}">
+                <a16:creationId xmlns:a16="http://schemas.microsoft.com/office/drawing/2014/main" id="{B6803BBF-7497-4802-A7C9-49BD2BCFDD2A}"/>
+              </a:ext>
+            </a:extLst>
+          </p:cNvPr>
+          <p:cNvSpPr>
+            <a:spLocks noGrp="1"/>
+          </p:cNvSpPr>
+          <p:nvPr>
+            <p:ph type="ftr" sz="quarter" idx="11"/>
+          </p:nvPr>
+        </p:nvSpPr>
+        <p:spPr/>
+        <p:txBody>
+          <a:bodyPr/>
+          <a:lstStyle/>
+          <a:p>
+            <a:r>
+              <a:rPr lang="en-US"/>
+              <a:t>© 2018 Ori Calvo</a:t>
+            </a:r>
+            <a:endParaRPr lang="en-US" dirty="0"/>
+          </a:p>
+        </p:txBody>
+      </p:sp>
+      <p:sp>
+        <p:nvSpPr>
+          <p:cNvPr id="4" name="Slide Number Placeholder 3">
+            <a:extLst>
+              <a:ext uri="{FF2B5EF4-FFF2-40B4-BE49-F238E27FC236}">
+                <a16:creationId xmlns:a16="http://schemas.microsoft.com/office/drawing/2014/main" id="{F78A7061-6343-45EA-9C7F-597F2D537765}"/>
+              </a:ext>
+            </a:extLst>
+          </p:cNvPr>
+          <p:cNvSpPr>
+            <a:spLocks noGrp="1"/>
+          </p:cNvSpPr>
+          <p:nvPr>
+            <p:ph type="sldNum" sz="quarter" idx="12"/>
+          </p:nvPr>
+        </p:nvSpPr>
+        <p:spPr/>
+        <p:txBody>
+          <a:bodyPr>
+            <a:normAutofit fontScale="85000" lnSpcReduction="20000"/>
+          </a:bodyPr>
+          <a:lstStyle/>
+          <a:p>
+            <a:fld id="{87B78B44-2135-4DB2-B732-E7D5FFF77B6A}" type="slidenum">
+              <a:rPr lang="en-US" smtClean="0"/>
+              <a:pPr/>
+              <a:t>21</a:t>
+            </a:fld>
+            <a:endParaRPr lang="en-US"/>
+          </a:p>
+        </p:txBody>
+      </p:sp>
+      <p:sp>
+        <p:nvSpPr>
+          <p:cNvPr id="5" name="Content Placeholder 4">
+            <a:extLst>
+              <a:ext uri="{FF2B5EF4-FFF2-40B4-BE49-F238E27FC236}">
+                <a16:creationId xmlns:a16="http://schemas.microsoft.com/office/drawing/2014/main" id="{8D466D71-10C9-4AD4-B18F-F481385F1698}"/>
+              </a:ext>
+            </a:extLst>
+          </p:cNvPr>
+          <p:cNvSpPr>
+            <a:spLocks noGrp="1"/>
+          </p:cNvSpPr>
+          <p:nvPr>
+            <p:ph sz="quarter" idx="1"/>
+          </p:nvPr>
+        </p:nvSpPr>
+        <p:spPr/>
+        <p:txBody>
+          <a:bodyPr/>
+          <a:lstStyle/>
+          <a:p>
+            <a:r>
+              <a:rPr lang="en-US" dirty="0"/>
+              <a:t>create-react-app hides webpack configuration</a:t>
+            </a:r>
+          </a:p>
+          <a:p>
+            <a:r>
+              <a:rPr lang="en-US" dirty="0"/>
+              <a:t>This is great since Webpack is no intuitive</a:t>
+            </a:r>
+          </a:p>
+          <a:p>
+            <a:r>
+              <a:rPr lang="en-US" dirty="0"/>
+              <a:t>However, deep customization requires playing with Webpack configuration directly</a:t>
+            </a:r>
+          </a:p>
+          <a:p>
+            <a:r>
+              <a:rPr lang="en-US" dirty="0"/>
+              <a:t>Think carefully … there is no way back</a:t>
+            </a:r>
+            <a:endParaRPr lang="he-IL" dirty="0"/>
+          </a:p>
+        </p:txBody>
+      </p:sp>
+    </p:spTree>
+    <p:extLst>
+      <p:ext uri="{BB962C8B-B14F-4D97-AF65-F5344CB8AC3E}">
+        <p14:creationId xmlns:p14="http://schemas.microsoft.com/office/powerpoint/2010/main" val="1811825180"/>
+      </p:ext>
+    </p:extLst>
+  </p:cSld>
+  <p:clrMapOvr>
+    <a:masterClrMapping/>
+  </p:clrMapOvr>
+</p:sld>
+</file>
+
+<file path=ppt/slides/slide22.xml><?xml version="1.0" encoding="utf-8"?>
+<p:sld xmlns:a="http://schemas.openxmlformats.org/drawingml/2006/main" xmlns:r="http://schemas.openxmlformats.org/officeDocument/2006/relationships" xmlns:p="http://schemas.openxmlformats.org/presentationml/2006/main">
+  <p:cSld>
+    <p:spTree>
+      <p:nvGrpSpPr>
+        <p:cNvPr id="1" name=""/>
+        <p:cNvGrpSpPr/>
+        <p:nvPr/>
+      </p:nvGrpSpPr>
+      <p:grpSpPr>
+        <a:xfrm>
+          <a:off x="0" y="0"/>
+          <a:ext cx="0" cy="0"/>
+          <a:chOff x="0" y="0"/>
+          <a:chExt cx="0" cy="0"/>
+        </a:xfrm>
+      </p:grpSpPr>
+      <p:sp>
+        <p:nvSpPr>
+          <p:cNvPr id="2" name="Title 1">
+            <a:extLst>
+              <a:ext uri="{FF2B5EF4-FFF2-40B4-BE49-F238E27FC236}">
+                <a16:creationId xmlns:a16="http://schemas.microsoft.com/office/drawing/2014/main" id="{E976BE2D-BF3D-48C5-BF95-ADA90ABCBB91}"/>
+              </a:ext>
+            </a:extLst>
+          </p:cNvPr>
+          <p:cNvSpPr>
+            <a:spLocks noGrp="1"/>
+          </p:cNvSpPr>
+          <p:nvPr>
+            <p:ph type="title"/>
+          </p:nvPr>
+        </p:nvSpPr>
+        <p:spPr/>
+        <p:txBody>
+          <a:bodyPr/>
+          <a:lstStyle/>
+          <a:p>
+            <a:r>
+              <a:rPr lang="en-US" dirty="0"/>
+              <a:t>Custom Build</a:t>
+            </a:r>
+            <a:endParaRPr lang="he-IL" dirty="0"/>
+          </a:p>
+        </p:txBody>
+      </p:sp>
+      <p:sp>
+        <p:nvSpPr>
+          <p:cNvPr id="3" name="Footer Placeholder 2">
+            <a:extLst>
+              <a:ext uri="{FF2B5EF4-FFF2-40B4-BE49-F238E27FC236}">
+                <a16:creationId xmlns:a16="http://schemas.microsoft.com/office/drawing/2014/main" id="{8AD3E4E5-F890-432E-92EB-8451AFA0A931}"/>
+              </a:ext>
+            </a:extLst>
+          </p:cNvPr>
+          <p:cNvSpPr>
+            <a:spLocks noGrp="1"/>
+          </p:cNvSpPr>
+          <p:nvPr>
+            <p:ph type="ftr" sz="quarter" idx="11"/>
+          </p:nvPr>
+        </p:nvSpPr>
+        <p:spPr/>
+        <p:txBody>
+          <a:bodyPr/>
+          <a:lstStyle/>
+          <a:p>
+            <a:r>
+              <a:rPr lang="en-US"/>
+              <a:t>© 2018 Ori Calvo</a:t>
+            </a:r>
+            <a:endParaRPr lang="en-US" dirty="0"/>
+          </a:p>
+        </p:txBody>
+      </p:sp>
+      <p:sp>
+        <p:nvSpPr>
+          <p:cNvPr id="4" name="Slide Number Placeholder 3">
+            <a:extLst>
+              <a:ext uri="{FF2B5EF4-FFF2-40B4-BE49-F238E27FC236}">
+                <a16:creationId xmlns:a16="http://schemas.microsoft.com/office/drawing/2014/main" id="{E7CDDB7C-92AF-422B-B294-9E1BBCFB27CD}"/>
+              </a:ext>
+            </a:extLst>
+          </p:cNvPr>
+          <p:cNvSpPr>
+            <a:spLocks noGrp="1"/>
+          </p:cNvSpPr>
+          <p:nvPr>
+            <p:ph type="sldNum" sz="quarter" idx="12"/>
+          </p:nvPr>
+        </p:nvSpPr>
+        <p:spPr/>
+        <p:txBody>
+          <a:bodyPr>
+            <a:normAutofit fontScale="85000" lnSpcReduction="20000"/>
+          </a:bodyPr>
+          <a:lstStyle/>
+          <a:p>
+            <a:fld id="{87B78B44-2135-4DB2-B732-E7D5FFF77B6A}" type="slidenum">
+              <a:rPr lang="en-US" smtClean="0"/>
+              <a:pPr/>
+              <a:t>22</a:t>
+            </a:fld>
+            <a:endParaRPr lang="en-US"/>
+          </a:p>
+        </p:txBody>
+      </p:sp>
+      <p:sp>
+        <p:nvSpPr>
+          <p:cNvPr id="5" name="Content Placeholder 4">
+            <a:extLst>
+              <a:ext uri="{FF2B5EF4-FFF2-40B4-BE49-F238E27FC236}">
+                <a16:creationId xmlns:a16="http://schemas.microsoft.com/office/drawing/2014/main" id="{C21319EF-86EC-4E42-8F65-6601E3C9EBF0}"/>
+              </a:ext>
+            </a:extLst>
+          </p:cNvPr>
+          <p:cNvSpPr>
+            <a:spLocks noGrp="1"/>
+          </p:cNvSpPr>
+          <p:nvPr>
+            <p:ph sz="quarter" idx="1"/>
+          </p:nvPr>
+        </p:nvSpPr>
+        <p:spPr/>
+        <p:txBody>
+          <a:bodyPr/>
+          <a:lstStyle/>
+          <a:p>
+            <a:r>
+              <a:rPr lang="en-US" dirty="0"/>
+              <a:t>This is the probably the best way to go</a:t>
+            </a:r>
+          </a:p>
+          <a:p>
+            <a:pPr lvl="1"/>
+            <a:r>
+              <a:rPr lang="en-US" dirty="0"/>
+              <a:t>Thinking long term</a:t>
+            </a:r>
+          </a:p>
+          <a:p>
+            <a:r>
+              <a:rPr lang="en-US" dirty="0"/>
+              <a:t>However it requires deep understanding of multiple technologies</a:t>
+            </a:r>
+          </a:p>
+          <a:p>
+            <a:r>
+              <a:rPr lang="en-US" dirty="0"/>
+              <a:t>Start with Webpack documentation</a:t>
+            </a:r>
+          </a:p>
+          <a:p>
+            <a:pPr lvl="1"/>
+            <a:r>
+              <a:rPr lang="en-US" dirty="0"/>
+              <a:t>Evolve gradually</a:t>
+            </a:r>
+            <a:endParaRPr lang="he-IL" dirty="0"/>
+          </a:p>
+        </p:txBody>
+      </p:sp>
+    </p:spTree>
+    <p:extLst>
+      <p:ext uri="{BB962C8B-B14F-4D97-AF65-F5344CB8AC3E}">
+        <p14:creationId xmlns:p14="http://schemas.microsoft.com/office/powerpoint/2010/main" val="4011238769"/>
+      </p:ext>
+    </p:extLst>
+  </p:cSld>
+  <p:clrMapOvr>
+    <a:masterClrMapping/>
+  </p:clrMapOvr>
+</p:sld>
+</file>
+
+<file path=ppt/slides/slide23.xml><?xml version="1.0" encoding="utf-8"?>
+<p:sld xmlns:a="http://schemas.openxmlformats.org/drawingml/2006/main" xmlns:r="http://schemas.openxmlformats.org/officeDocument/2006/relationships" xmlns:p="http://schemas.openxmlformats.org/presentationml/2006/main">
+  <p:cSld>
+    <p:spTree>
+      <p:nvGrpSpPr>
+        <p:cNvPr id="1" name=""/>
+        <p:cNvGrpSpPr/>
+        <p:nvPr/>
+      </p:nvGrpSpPr>
+      <p:grpSpPr>
+        <a:xfrm>
+          <a:off x="0" y="0"/>
+          <a:ext cx="0" cy="0"/>
+          <a:chOff x="0" y="0"/>
+          <a:chExt cx="0" cy="0"/>
+        </a:xfrm>
+      </p:grpSpPr>
+      <p:sp>
+        <p:nvSpPr>
+          <p:cNvPr id="2" name="Title 1">
+            <a:extLst>
+              <a:ext uri="{FF2B5EF4-FFF2-40B4-BE49-F238E27FC236}">
                 <a16:creationId xmlns:a16="http://schemas.microsoft.com/office/drawing/2014/main" id="{C77B57C4-38D7-4ADC-84BC-9E157BAF220E}"/>
               </a:ext>
             </a:extLst>
@@ -17852,7 +18225,7 @@
             <a:fld id="{87B78B44-2135-4DB2-B732-E7D5FFF77B6A}" type="slidenum">
               <a:rPr lang="en-US" smtClean="0"/>
               <a:pPr/>
-              <a:t>21</a:t>
+              <a:t>23</a:t>
             </a:fld>
             <a:endParaRPr lang="en-US"/>
           </a:p>

--- a/PPTs/01 Getting Started.pptx
+++ b/PPTs/01 Getting Started.pptx
@@ -5,7 +5,7 @@
     <p:sldMasterId id="2147483672" r:id="rId1"/>
   </p:sldMasterIdLst>
   <p:notesMasterIdLst>
-    <p:notesMasterId r:id="rId25"/>
+    <p:notesMasterId r:id="rId27"/>
   </p:notesMasterIdLst>
   <p:sldIdLst>
     <p:sldId id="256" r:id="rId2"/>
@@ -25,12 +25,14 @@
     <p:sldId id="363" r:id="rId16"/>
     <p:sldId id="364" r:id="rId17"/>
     <p:sldId id="365" r:id="rId18"/>
-    <p:sldId id="366" r:id="rId19"/>
-    <p:sldId id="368" r:id="rId20"/>
-    <p:sldId id="367" r:id="rId21"/>
-    <p:sldId id="369" r:id="rId22"/>
-    <p:sldId id="370" r:id="rId23"/>
-    <p:sldId id="351" r:id="rId24"/>
+    <p:sldId id="371" r:id="rId19"/>
+    <p:sldId id="366" r:id="rId20"/>
+    <p:sldId id="368" r:id="rId21"/>
+    <p:sldId id="372" r:id="rId22"/>
+    <p:sldId id="367" r:id="rId23"/>
+    <p:sldId id="369" r:id="rId24"/>
+    <p:sldId id="370" r:id="rId25"/>
+    <p:sldId id="351" r:id="rId26"/>
   </p:sldIdLst>
   <p:sldSz cx="9144000" cy="6858000" type="screen4x3"/>
   <p:notesSz cx="6858000" cy="9144000"/>
@@ -5857,7 +5859,7 @@
             <a:fld id="{BC6FC07C-0485-40B9-BC68-01FB6F3C1F19}" type="datetimeFigureOut">
               <a:rPr lang="en-US" smtClean="0"/>
               <a:pPr/>
-              <a:t>9/28/2018</a:t>
+              <a:t>9/30/2018</a:t>
             </a:fld>
             <a:endParaRPr lang="en-US"/>
           </a:p>
@@ -10572,7 +10574,13 @@
             <a:pPr algn="ctr"/>
             <a:r>
               <a:rPr lang="en-US" sz="1400" dirty="0"/>
-              <a:t>Child component is being used the same as plain HTML element</a:t>
+              <a:t>Child component is being used the same as plain HTML element </a:t>
+            </a:r>
+            <a:r>
+              <a:rPr lang="en-US" sz="1400" dirty="0">
+                <a:sym typeface="Wingdings" panose="05000000000000000000" pitchFamily="2" charset="2"/>
+              </a:rPr>
+              <a:t></a:t>
             </a:r>
             <a:endParaRPr lang="he-IL" sz="1400" dirty="0"/>
           </a:p>
@@ -12186,6 +12194,148 @@
           </a:p>
         </p:txBody>
       </p:sp>
+      <p:sp>
+        <p:nvSpPr>
+          <p:cNvPr id="8" name="Rectangle: Rounded Corners 7">
+            <a:extLst>
+              <a:ext uri="{FF2B5EF4-FFF2-40B4-BE49-F238E27FC236}">
+                <a16:creationId xmlns:a16="http://schemas.microsoft.com/office/drawing/2014/main" id="{1E56F73F-52EE-4E6C-B06A-1644DDE29741}"/>
+              </a:ext>
+            </a:extLst>
+          </p:cNvPr>
+          <p:cNvSpPr/>
+          <p:nvPr/>
+        </p:nvSpPr>
+        <p:spPr>
+          <a:xfrm>
+            <a:off x="4427984" y="5546524"/>
+            <a:ext cx="1872208" cy="1132879"/>
+          </a:xfrm>
+          <a:prstGeom prst="roundRect">
+            <a:avLst/>
+          </a:prstGeom>
+        </p:spPr>
+        <p:style>
+          <a:lnRef idx="2">
+            <a:schemeClr val="accent2">
+              <a:shade val="50000"/>
+            </a:schemeClr>
+          </a:lnRef>
+          <a:fillRef idx="1">
+            <a:schemeClr val="accent2"/>
+          </a:fillRef>
+          <a:effectRef idx="0">
+            <a:schemeClr val="accent2"/>
+          </a:effectRef>
+          <a:fontRef idx="minor">
+            <a:schemeClr val="lt1"/>
+          </a:fontRef>
+        </p:style>
+        <p:txBody>
+          <a:bodyPr rtlCol="1" anchor="ctr"/>
+          <a:lstStyle/>
+          <a:p>
+            <a:pPr algn="ctr"/>
+            <a:r>
+              <a:rPr lang="en-US" sz="1400" dirty="0"/>
+              <a:t>Contact receives this plain object through </a:t>
+            </a:r>
+            <a:r>
+              <a:rPr lang="en-US" sz="1400" dirty="0" err="1"/>
+              <a:t>this.prop</a:t>
+            </a:r>
+            <a:r>
+              <a:rPr lang="en-US" sz="1400" dirty="0"/>
+              <a:t> </a:t>
+            </a:r>
+            <a:endParaRPr lang="he-IL" sz="1400" dirty="0"/>
+          </a:p>
+        </p:txBody>
+      </p:sp>
+      <p:cxnSp>
+        <p:nvCxnSpPr>
+          <p:cNvPr id="9" name="Straight Arrow Connector 8">
+            <a:extLst>
+              <a:ext uri="{FF2B5EF4-FFF2-40B4-BE49-F238E27FC236}">
+                <a16:creationId xmlns:a16="http://schemas.microsoft.com/office/drawing/2014/main" id="{B39E9C80-44C3-44DA-9415-F616DC5C2C92}"/>
+              </a:ext>
+            </a:extLst>
+          </p:cNvPr>
+          <p:cNvCxnSpPr>
+            <a:cxnSpLocks/>
+            <a:stCxn id="8" idx="0"/>
+          </p:cNvCxnSpPr>
+          <p:nvPr/>
+        </p:nvCxnSpPr>
+        <p:spPr>
+          <a:xfrm flipH="1" flipV="1">
+            <a:off x="2051720" y="4959354"/>
+            <a:ext cx="3312368" cy="587170"/>
+          </a:xfrm>
+          <a:prstGeom prst="straightConnector1">
+            <a:avLst/>
+          </a:prstGeom>
+          <a:ln w="28575">
+            <a:tailEnd type="triangle"/>
+          </a:ln>
+        </p:spPr>
+        <p:style>
+          <a:lnRef idx="1">
+            <a:schemeClr val="accent2"/>
+          </a:lnRef>
+          <a:fillRef idx="0">
+            <a:schemeClr val="accent2"/>
+          </a:fillRef>
+          <a:effectRef idx="0">
+            <a:schemeClr val="accent2"/>
+          </a:effectRef>
+          <a:fontRef idx="minor">
+            <a:schemeClr val="tx1"/>
+          </a:fontRef>
+        </p:style>
+      </p:cxnSp>
+      <p:cxnSp>
+        <p:nvCxnSpPr>
+          <p:cNvPr id="11" name="Straight Arrow Connector 10">
+            <a:extLst>
+              <a:ext uri="{FF2B5EF4-FFF2-40B4-BE49-F238E27FC236}">
+                <a16:creationId xmlns:a16="http://schemas.microsoft.com/office/drawing/2014/main" id="{119182E4-CD23-4840-BBC6-3A4D22D8D472}"/>
+              </a:ext>
+            </a:extLst>
+          </p:cNvPr>
+          <p:cNvCxnSpPr>
+            <a:cxnSpLocks/>
+            <a:stCxn id="8" idx="0"/>
+          </p:cNvCxnSpPr>
+          <p:nvPr/>
+        </p:nvCxnSpPr>
+        <p:spPr>
+          <a:xfrm flipV="1">
+            <a:off x="5364088" y="3645024"/>
+            <a:ext cx="2066403" cy="1901500"/>
+          </a:xfrm>
+          <a:prstGeom prst="straightConnector1">
+            <a:avLst/>
+          </a:prstGeom>
+          <a:ln w="28575">
+            <a:tailEnd type="triangle"/>
+          </a:ln>
+        </p:spPr>
+        <p:style>
+          <a:lnRef idx="1">
+            <a:schemeClr val="accent2"/>
+          </a:lnRef>
+          <a:fillRef idx="0">
+            <a:schemeClr val="accent2"/>
+          </a:fillRef>
+          <a:effectRef idx="0">
+            <a:schemeClr val="accent2"/>
+          </a:effectRef>
+          <a:fontRef idx="minor">
+            <a:schemeClr val="tx1"/>
+          </a:fontRef>
+        </p:style>
+      </p:cxnSp>
     </p:spTree>
     <p:extLst>
       <p:ext uri="{BB962C8B-B14F-4D97-AF65-F5344CB8AC3E}">
@@ -16873,6 +17023,211 @@
           <p:cNvPr id="2" name="Title 1">
             <a:extLst>
               <a:ext uri="{FF2B5EF4-FFF2-40B4-BE49-F238E27FC236}">
+                <a16:creationId xmlns:a16="http://schemas.microsoft.com/office/drawing/2014/main" id="{2A33D16A-5B15-4B76-9086-23C5D43839E1}"/>
+              </a:ext>
+            </a:extLst>
+          </p:cNvPr>
+          <p:cNvSpPr>
+            <a:spLocks noGrp="1"/>
+          </p:cNvSpPr>
+          <p:nvPr>
+            <p:ph type="title"/>
+          </p:nvPr>
+        </p:nvSpPr>
+        <p:spPr/>
+        <p:txBody>
+          <a:bodyPr/>
+          <a:lstStyle/>
+          <a:p>
+            <a:r>
+              <a:rPr lang="en-US" dirty="0"/>
+              <a:t>Webpack</a:t>
+            </a:r>
+            <a:endParaRPr lang="he-IL" dirty="0"/>
+          </a:p>
+        </p:txBody>
+      </p:sp>
+      <p:sp>
+        <p:nvSpPr>
+          <p:cNvPr id="3" name="Footer Placeholder 2">
+            <a:extLst>
+              <a:ext uri="{FF2B5EF4-FFF2-40B4-BE49-F238E27FC236}">
+                <a16:creationId xmlns:a16="http://schemas.microsoft.com/office/drawing/2014/main" id="{90A15B14-E8BA-4322-A99C-93354386F88F}"/>
+              </a:ext>
+            </a:extLst>
+          </p:cNvPr>
+          <p:cNvSpPr>
+            <a:spLocks noGrp="1"/>
+          </p:cNvSpPr>
+          <p:nvPr>
+            <p:ph type="ftr" sz="quarter" idx="11"/>
+          </p:nvPr>
+        </p:nvSpPr>
+        <p:spPr/>
+        <p:txBody>
+          <a:bodyPr/>
+          <a:lstStyle/>
+          <a:p>
+            <a:r>
+              <a:rPr lang="en-US"/>
+              <a:t>© 2018 Ori Calvo</a:t>
+            </a:r>
+            <a:endParaRPr lang="en-US" dirty="0"/>
+          </a:p>
+        </p:txBody>
+      </p:sp>
+      <p:sp>
+        <p:nvSpPr>
+          <p:cNvPr id="4" name="Slide Number Placeholder 3">
+            <a:extLst>
+              <a:ext uri="{FF2B5EF4-FFF2-40B4-BE49-F238E27FC236}">
+                <a16:creationId xmlns:a16="http://schemas.microsoft.com/office/drawing/2014/main" id="{974F6DFE-ADCA-47B3-B6FA-AE0CFD9592E3}"/>
+              </a:ext>
+            </a:extLst>
+          </p:cNvPr>
+          <p:cNvSpPr>
+            <a:spLocks noGrp="1"/>
+          </p:cNvSpPr>
+          <p:nvPr>
+            <p:ph type="sldNum" sz="quarter" idx="12"/>
+          </p:nvPr>
+        </p:nvSpPr>
+        <p:spPr/>
+        <p:txBody>
+          <a:bodyPr>
+            <a:normAutofit fontScale="85000" lnSpcReduction="20000"/>
+          </a:bodyPr>
+          <a:lstStyle/>
+          <a:p>
+            <a:fld id="{87B78B44-2135-4DB2-B732-E7D5FFF77B6A}" type="slidenum">
+              <a:rPr lang="en-US" smtClean="0"/>
+              <a:pPr/>
+              <a:t>18</a:t>
+            </a:fld>
+            <a:endParaRPr lang="en-US"/>
+          </a:p>
+        </p:txBody>
+      </p:sp>
+      <p:sp>
+        <p:nvSpPr>
+          <p:cNvPr id="5" name="Content Placeholder 4">
+            <a:extLst>
+              <a:ext uri="{FF2B5EF4-FFF2-40B4-BE49-F238E27FC236}">
+                <a16:creationId xmlns:a16="http://schemas.microsoft.com/office/drawing/2014/main" id="{55A5A67D-AEC3-4836-8F36-1C2A93A98F72}"/>
+              </a:ext>
+            </a:extLst>
+          </p:cNvPr>
+          <p:cNvSpPr>
+            <a:spLocks noGrp="1"/>
+          </p:cNvSpPr>
+          <p:nvPr>
+            <p:ph sz="quarter" idx="1"/>
+          </p:nvPr>
+        </p:nvSpPr>
+        <p:spPr/>
+        <p:txBody>
+          <a:bodyPr/>
+          <a:lstStyle/>
+          <a:p>
+            <a:r>
+              <a:rPr lang="en-US" dirty="0"/>
+              <a:t>Officially its just a module </a:t>
+            </a:r>
+            <a:r>
+              <a:rPr lang="en-US" dirty="0" err="1"/>
+              <a:t>bunlder</a:t>
+            </a:r>
+            <a:endParaRPr lang="en-US" dirty="0"/>
+          </a:p>
+          <a:p>
+            <a:r>
+              <a:rPr lang="en-US" dirty="0"/>
+              <a:t>Practically it is a build tool</a:t>
+            </a:r>
+          </a:p>
+          <a:p>
+            <a:r>
+              <a:rPr lang="en-US" dirty="0"/>
+              <a:t>A very configuration oriented tool</a:t>
+            </a:r>
+          </a:p>
+          <a:p>
+            <a:r>
+              <a:rPr lang="en-US" dirty="0"/>
+              <a:t>Most developers find it unintuitive</a:t>
+            </a:r>
+          </a:p>
+          <a:p>
+            <a:r>
+              <a:rPr lang="en-US" dirty="0"/>
+              <a:t>May abstraction tries to hide it</a:t>
+            </a:r>
+          </a:p>
+          <a:p>
+            <a:pPr lvl="1"/>
+            <a:r>
+              <a:rPr lang="en-US" dirty="0">
+                <a:solidFill>
+                  <a:srgbClr val="FF0000"/>
+                </a:solidFill>
+              </a:rPr>
+              <a:t>create-react-app</a:t>
+            </a:r>
+          </a:p>
+          <a:p>
+            <a:pPr lvl="1"/>
+            <a:r>
+              <a:rPr lang="en-US" dirty="0"/>
+              <a:t>@angular/cli</a:t>
+            </a:r>
+          </a:p>
+          <a:p>
+            <a:r>
+              <a:rPr lang="en-US" dirty="0"/>
+              <a:t>Now you need to master two abstractions …</a:t>
+            </a:r>
+          </a:p>
+          <a:p>
+            <a:pPr lvl="1"/>
+            <a:endParaRPr lang="en-US" dirty="0"/>
+          </a:p>
+        </p:txBody>
+      </p:sp>
+    </p:spTree>
+    <p:extLst>
+      <p:ext uri="{BB962C8B-B14F-4D97-AF65-F5344CB8AC3E}">
+        <p14:creationId xmlns:p14="http://schemas.microsoft.com/office/powerpoint/2010/main" val="3880615227"/>
+      </p:ext>
+    </p:extLst>
+  </p:cSld>
+  <p:clrMapOvr>
+    <a:masterClrMapping/>
+  </p:clrMapOvr>
+</p:sld>
+</file>
+
+<file path=ppt/slides/slide19.xml><?xml version="1.0" encoding="utf-8"?>
+<p:sld xmlns:a="http://schemas.openxmlformats.org/drawingml/2006/main" xmlns:r="http://schemas.openxmlformats.org/officeDocument/2006/relationships" xmlns:p="http://schemas.openxmlformats.org/presentationml/2006/main">
+  <p:cSld>
+    <p:spTree>
+      <p:nvGrpSpPr>
+        <p:cNvPr id="1" name=""/>
+        <p:cNvGrpSpPr/>
+        <p:nvPr/>
+      </p:nvGrpSpPr>
+      <p:grpSpPr>
+        <a:xfrm>
+          <a:off x="0" y="0"/>
+          <a:ext cx="0" cy="0"/>
+          <a:chOff x="0" y="0"/>
+          <a:chExt cx="0" cy="0"/>
+        </a:xfrm>
+      </p:grpSpPr>
+      <p:sp>
+        <p:nvSpPr>
+          <p:cNvPr id="2" name="Title 1">
+            <a:extLst>
+              <a:ext uri="{FF2B5EF4-FFF2-40B4-BE49-F238E27FC236}">
                 <a16:creationId xmlns:a16="http://schemas.microsoft.com/office/drawing/2014/main" id="{EF47AE65-94D1-4AC6-BBE7-9BFD4D9FA83D}"/>
               </a:ext>
             </a:extLst>
@@ -16952,7 +17307,7 @@
             <a:fld id="{87B78B44-2135-4DB2-B732-E7D5FFF77B6A}" type="slidenum">
               <a:rPr lang="en-US" smtClean="0"/>
               <a:pPr/>
-              <a:t>18</a:t>
+              <a:t>19</a:t>
             </a:fld>
             <a:endParaRPr lang="en-US"/>
           </a:p>
@@ -16981,21 +17336,13 @@
           <a:p>
             <a:r>
               <a:rPr lang="en-US" dirty="0"/>
-              <a:t>Configuring Webpack is boring and error prone</a:t>
+              <a:t>Zero configuration abstraction over Webpack</a:t>
             </a:r>
           </a:p>
           <a:p>
             <a:r>
               <a:rPr lang="en-US" dirty="0"/>
-              <a:t>Use </a:t>
-            </a:r>
-            <a:r>
-              <a:rPr lang="en-US" dirty="0">
-                <a:solidFill>
-                  <a:srgbClr val="FF0000"/>
-                </a:solidFill>
-              </a:rPr>
-              <a:t>create-react-app</a:t>
+              <a:t>No config allows for future toolchain upgrade</a:t>
             </a:r>
           </a:p>
           <a:p>
@@ -17231,183 +17578,6 @@
     <p:extLst>
       <p:ext uri="{BB962C8B-B14F-4D97-AF65-F5344CB8AC3E}">
         <p14:creationId xmlns:p14="http://schemas.microsoft.com/office/powerpoint/2010/main" val="1578226138"/>
-      </p:ext>
-    </p:extLst>
-  </p:cSld>
-  <p:clrMapOvr>
-    <a:masterClrMapping/>
-  </p:clrMapOvr>
-</p:sld>
-</file>
-
-<file path=ppt/slides/slide19.xml><?xml version="1.0" encoding="utf-8"?>
-<p:sld xmlns:a="http://schemas.openxmlformats.org/drawingml/2006/main" xmlns:r="http://schemas.openxmlformats.org/officeDocument/2006/relationships" xmlns:p="http://schemas.openxmlformats.org/presentationml/2006/main">
-  <p:cSld>
-    <p:spTree>
-      <p:nvGrpSpPr>
-        <p:cNvPr id="1" name=""/>
-        <p:cNvGrpSpPr/>
-        <p:nvPr/>
-      </p:nvGrpSpPr>
-      <p:grpSpPr>
-        <a:xfrm>
-          <a:off x="0" y="0"/>
-          <a:ext cx="0" cy="0"/>
-          <a:chOff x="0" y="0"/>
-          <a:chExt cx="0" cy="0"/>
-        </a:xfrm>
-      </p:grpSpPr>
-      <p:sp>
-        <p:nvSpPr>
-          <p:cNvPr id="2" name="Title 1">
-            <a:extLst>
-              <a:ext uri="{FF2B5EF4-FFF2-40B4-BE49-F238E27FC236}">
-                <a16:creationId xmlns:a16="http://schemas.microsoft.com/office/drawing/2014/main" id="{385A0815-878E-449B-B368-75DB3EDB81B3}"/>
-              </a:ext>
-            </a:extLst>
-          </p:cNvPr>
-          <p:cNvSpPr>
-            <a:spLocks noGrp="1"/>
-          </p:cNvSpPr>
-          <p:nvPr>
-            <p:ph type="title"/>
-          </p:nvPr>
-        </p:nvSpPr>
-        <p:spPr/>
-        <p:txBody>
-          <a:bodyPr/>
-          <a:lstStyle/>
-          <a:p>
-            <a:r>
-              <a:rPr lang="en-US" dirty="0"/>
-              <a:t>Production Build</a:t>
-            </a:r>
-            <a:endParaRPr lang="he-IL" dirty="0"/>
-          </a:p>
-        </p:txBody>
-      </p:sp>
-      <p:sp>
-        <p:nvSpPr>
-          <p:cNvPr id="3" name="Footer Placeholder 2">
-            <a:extLst>
-              <a:ext uri="{FF2B5EF4-FFF2-40B4-BE49-F238E27FC236}">
-                <a16:creationId xmlns:a16="http://schemas.microsoft.com/office/drawing/2014/main" id="{64E42DD0-4D40-4094-A48B-72BAE2A2C630}"/>
-              </a:ext>
-            </a:extLst>
-          </p:cNvPr>
-          <p:cNvSpPr>
-            <a:spLocks noGrp="1"/>
-          </p:cNvSpPr>
-          <p:nvPr>
-            <p:ph type="ftr" sz="quarter" idx="11"/>
-          </p:nvPr>
-        </p:nvSpPr>
-        <p:spPr/>
-        <p:txBody>
-          <a:bodyPr/>
-          <a:lstStyle/>
-          <a:p>
-            <a:r>
-              <a:rPr lang="en-US"/>
-              <a:t>© 2018 Ori Calvo</a:t>
-            </a:r>
-            <a:endParaRPr lang="en-US" dirty="0"/>
-          </a:p>
-        </p:txBody>
-      </p:sp>
-      <p:sp>
-        <p:nvSpPr>
-          <p:cNvPr id="4" name="Slide Number Placeholder 3">
-            <a:extLst>
-              <a:ext uri="{FF2B5EF4-FFF2-40B4-BE49-F238E27FC236}">
-                <a16:creationId xmlns:a16="http://schemas.microsoft.com/office/drawing/2014/main" id="{51A450BB-6B48-490E-9BAD-1B8C797AD4D0}"/>
-              </a:ext>
-            </a:extLst>
-          </p:cNvPr>
-          <p:cNvSpPr>
-            <a:spLocks noGrp="1"/>
-          </p:cNvSpPr>
-          <p:nvPr>
-            <p:ph type="sldNum" sz="quarter" idx="12"/>
-          </p:nvPr>
-        </p:nvSpPr>
-        <p:spPr/>
-        <p:txBody>
-          <a:bodyPr>
-            <a:normAutofit fontScale="85000" lnSpcReduction="20000"/>
-          </a:bodyPr>
-          <a:lstStyle/>
-          <a:p>
-            <a:fld id="{87B78B44-2135-4DB2-B732-E7D5FFF77B6A}" type="slidenum">
-              <a:rPr lang="en-US" smtClean="0"/>
-              <a:pPr/>
-              <a:t>19</a:t>
-            </a:fld>
-            <a:endParaRPr lang="en-US"/>
-          </a:p>
-        </p:txBody>
-      </p:sp>
-      <p:sp>
-        <p:nvSpPr>
-          <p:cNvPr id="5" name="Content Placeholder 4">
-            <a:extLst>
-              <a:ext uri="{FF2B5EF4-FFF2-40B4-BE49-F238E27FC236}">
-                <a16:creationId xmlns:a16="http://schemas.microsoft.com/office/drawing/2014/main" id="{E04D3864-13F8-413F-B526-CB65566C5FA6}"/>
-              </a:ext>
-            </a:extLst>
-          </p:cNvPr>
-          <p:cNvSpPr>
-            <a:spLocks noGrp="1"/>
-          </p:cNvSpPr>
-          <p:nvPr>
-            <p:ph sz="quarter" idx="1"/>
-          </p:nvPr>
-        </p:nvSpPr>
-        <p:spPr/>
-        <p:txBody>
-          <a:bodyPr/>
-          <a:lstStyle/>
-          <a:p>
-            <a:r>
-              <a:rPr lang="en-US" dirty="0">
-                <a:solidFill>
-                  <a:srgbClr val="FF0000"/>
-                </a:solidFill>
-              </a:rPr>
-              <a:t>yarn run build</a:t>
-            </a:r>
-          </a:p>
-          <a:p>
-            <a:r>
-              <a:rPr lang="en-US" dirty="0"/>
-              <a:t>Outputs files to the build folder</a:t>
-            </a:r>
-          </a:p>
-          <a:p>
-            <a:r>
-              <a:rPr lang="en-US" dirty="0"/>
-              <a:t>Bundling and minification</a:t>
-            </a:r>
-          </a:p>
-          <a:p>
-            <a:r>
-              <a:rPr lang="en-US" dirty="0"/>
-              <a:t>Include file hashes (cache buster)</a:t>
-            </a:r>
-          </a:p>
-          <a:p>
-            <a:r>
-              <a:rPr lang="en-US" dirty="0"/>
-              <a:t>Include service worker</a:t>
-            </a:r>
-            <a:endParaRPr lang="he-IL" dirty="0"/>
-          </a:p>
-        </p:txBody>
-      </p:sp>
-    </p:spTree>
-    <p:extLst>
-      <p:ext uri="{BB962C8B-B14F-4D97-AF65-F5344CB8AC3E}">
-        <p14:creationId xmlns:p14="http://schemas.microsoft.com/office/powerpoint/2010/main" val="3501427051"/>
       </p:ext>
     </p:extLst>
   </p:cSld>
@@ -17571,6 +17741,429 @@
           <p:cNvPr id="2" name="Title 1">
             <a:extLst>
               <a:ext uri="{FF2B5EF4-FFF2-40B4-BE49-F238E27FC236}">
+                <a16:creationId xmlns:a16="http://schemas.microsoft.com/office/drawing/2014/main" id="{385A0815-878E-449B-B368-75DB3EDB81B3}"/>
+              </a:ext>
+            </a:extLst>
+          </p:cNvPr>
+          <p:cNvSpPr>
+            <a:spLocks noGrp="1"/>
+          </p:cNvSpPr>
+          <p:nvPr>
+            <p:ph type="title"/>
+          </p:nvPr>
+        </p:nvSpPr>
+        <p:spPr/>
+        <p:txBody>
+          <a:bodyPr/>
+          <a:lstStyle/>
+          <a:p>
+            <a:r>
+              <a:rPr lang="en-US" dirty="0"/>
+              <a:t>Production Build</a:t>
+            </a:r>
+            <a:endParaRPr lang="he-IL" dirty="0"/>
+          </a:p>
+        </p:txBody>
+      </p:sp>
+      <p:sp>
+        <p:nvSpPr>
+          <p:cNvPr id="3" name="Footer Placeholder 2">
+            <a:extLst>
+              <a:ext uri="{FF2B5EF4-FFF2-40B4-BE49-F238E27FC236}">
+                <a16:creationId xmlns:a16="http://schemas.microsoft.com/office/drawing/2014/main" id="{64E42DD0-4D40-4094-A48B-72BAE2A2C630}"/>
+              </a:ext>
+            </a:extLst>
+          </p:cNvPr>
+          <p:cNvSpPr>
+            <a:spLocks noGrp="1"/>
+          </p:cNvSpPr>
+          <p:nvPr>
+            <p:ph type="ftr" sz="quarter" idx="11"/>
+          </p:nvPr>
+        </p:nvSpPr>
+        <p:spPr/>
+        <p:txBody>
+          <a:bodyPr/>
+          <a:lstStyle/>
+          <a:p>
+            <a:r>
+              <a:rPr lang="en-US"/>
+              <a:t>© 2018 Ori Calvo</a:t>
+            </a:r>
+            <a:endParaRPr lang="en-US" dirty="0"/>
+          </a:p>
+        </p:txBody>
+      </p:sp>
+      <p:sp>
+        <p:nvSpPr>
+          <p:cNvPr id="4" name="Slide Number Placeholder 3">
+            <a:extLst>
+              <a:ext uri="{FF2B5EF4-FFF2-40B4-BE49-F238E27FC236}">
+                <a16:creationId xmlns:a16="http://schemas.microsoft.com/office/drawing/2014/main" id="{51A450BB-6B48-490E-9BAD-1B8C797AD4D0}"/>
+              </a:ext>
+            </a:extLst>
+          </p:cNvPr>
+          <p:cNvSpPr>
+            <a:spLocks noGrp="1"/>
+          </p:cNvSpPr>
+          <p:nvPr>
+            <p:ph type="sldNum" sz="quarter" idx="12"/>
+          </p:nvPr>
+        </p:nvSpPr>
+        <p:spPr/>
+        <p:txBody>
+          <a:bodyPr>
+            <a:normAutofit fontScale="85000" lnSpcReduction="20000"/>
+          </a:bodyPr>
+          <a:lstStyle/>
+          <a:p>
+            <a:fld id="{87B78B44-2135-4DB2-B732-E7D5FFF77B6A}" type="slidenum">
+              <a:rPr lang="en-US" smtClean="0"/>
+              <a:pPr/>
+              <a:t>20</a:t>
+            </a:fld>
+            <a:endParaRPr lang="en-US"/>
+          </a:p>
+        </p:txBody>
+      </p:sp>
+      <p:sp>
+        <p:nvSpPr>
+          <p:cNvPr id="5" name="Content Placeholder 4">
+            <a:extLst>
+              <a:ext uri="{FF2B5EF4-FFF2-40B4-BE49-F238E27FC236}">
+                <a16:creationId xmlns:a16="http://schemas.microsoft.com/office/drawing/2014/main" id="{E04D3864-13F8-413F-B526-CB65566C5FA6}"/>
+              </a:ext>
+            </a:extLst>
+          </p:cNvPr>
+          <p:cNvSpPr>
+            <a:spLocks noGrp="1"/>
+          </p:cNvSpPr>
+          <p:nvPr>
+            <p:ph sz="quarter" idx="1"/>
+          </p:nvPr>
+        </p:nvSpPr>
+        <p:spPr/>
+        <p:txBody>
+          <a:bodyPr/>
+          <a:lstStyle/>
+          <a:p>
+            <a:r>
+              <a:rPr lang="en-US" dirty="0">
+                <a:solidFill>
+                  <a:srgbClr val="FF0000"/>
+                </a:solidFill>
+              </a:rPr>
+              <a:t>yarn run build</a:t>
+            </a:r>
+          </a:p>
+          <a:p>
+            <a:r>
+              <a:rPr lang="en-US" dirty="0"/>
+              <a:t>Outputs files to the build folder</a:t>
+            </a:r>
+          </a:p>
+          <a:p>
+            <a:r>
+              <a:rPr lang="en-US" dirty="0"/>
+              <a:t>Code is bunded and minified</a:t>
+            </a:r>
+          </a:p>
+          <a:p>
+            <a:r>
+              <a:rPr lang="en-US" dirty="0"/>
+              <a:t>CSS files are extracted to another bundle</a:t>
+            </a:r>
+          </a:p>
+          <a:p>
+            <a:pPr lvl="1"/>
+            <a:r>
+              <a:rPr lang="en-US" dirty="0"/>
+              <a:t>Thus allow for parallel download</a:t>
+            </a:r>
+          </a:p>
+          <a:p>
+            <a:r>
+              <a:rPr lang="en-US" dirty="0"/>
+              <a:t>Include file hashes (cache buster)</a:t>
+            </a:r>
+          </a:p>
+          <a:p>
+            <a:r>
+              <a:rPr lang="en-US" dirty="0"/>
+              <a:t>Include service worker</a:t>
+            </a:r>
+            <a:endParaRPr lang="he-IL" dirty="0"/>
+          </a:p>
+        </p:txBody>
+      </p:sp>
+    </p:spTree>
+    <p:extLst>
+      <p:ext uri="{BB962C8B-B14F-4D97-AF65-F5344CB8AC3E}">
+        <p14:creationId xmlns:p14="http://schemas.microsoft.com/office/powerpoint/2010/main" val="3501427051"/>
+      </p:ext>
+    </p:extLst>
+  </p:cSld>
+  <p:clrMapOvr>
+    <a:masterClrMapping/>
+  </p:clrMapOvr>
+</p:sld>
+</file>
+
+<file path=ppt/slides/slide21.xml><?xml version="1.0" encoding="utf-8"?>
+<p:sld xmlns:a="http://schemas.openxmlformats.org/drawingml/2006/main" xmlns:r="http://schemas.openxmlformats.org/officeDocument/2006/relationships" xmlns:p="http://schemas.openxmlformats.org/presentationml/2006/main">
+  <p:cSld>
+    <p:spTree>
+      <p:nvGrpSpPr>
+        <p:cNvPr id="1" name=""/>
+        <p:cNvGrpSpPr/>
+        <p:nvPr/>
+      </p:nvGrpSpPr>
+      <p:grpSpPr>
+        <a:xfrm>
+          <a:off x="0" y="0"/>
+          <a:ext cx="0" cy="0"/>
+          <a:chOff x="0" y="0"/>
+          <a:chExt cx="0" cy="0"/>
+        </a:xfrm>
+      </p:grpSpPr>
+      <p:sp>
+        <p:nvSpPr>
+          <p:cNvPr id="2" name="Title 1">
+            <a:extLst>
+              <a:ext uri="{FF2B5EF4-FFF2-40B4-BE49-F238E27FC236}">
+                <a16:creationId xmlns:a16="http://schemas.microsoft.com/office/drawing/2014/main" id="{814161D3-EC6D-4393-A6A1-D8702802B983}"/>
+              </a:ext>
+            </a:extLst>
+          </p:cNvPr>
+          <p:cNvSpPr>
+            <a:spLocks noGrp="1"/>
+          </p:cNvSpPr>
+          <p:nvPr>
+            <p:ph type="title"/>
+          </p:nvPr>
+        </p:nvSpPr>
+        <p:spPr/>
+        <p:txBody>
+          <a:bodyPr/>
+          <a:lstStyle/>
+          <a:p>
+            <a:r>
+              <a:rPr lang="en-US" dirty="0" err="1"/>
+              <a:t>react-scripts@next</a:t>
+            </a:r>
+            <a:endParaRPr lang="he-IL" dirty="0"/>
+          </a:p>
+        </p:txBody>
+      </p:sp>
+      <p:sp>
+        <p:nvSpPr>
+          <p:cNvPr id="3" name="Footer Placeholder 2">
+            <a:extLst>
+              <a:ext uri="{FF2B5EF4-FFF2-40B4-BE49-F238E27FC236}">
+                <a16:creationId xmlns:a16="http://schemas.microsoft.com/office/drawing/2014/main" id="{70A2AA40-F3B9-4E71-89A6-8F6289D9B2C1}"/>
+              </a:ext>
+            </a:extLst>
+          </p:cNvPr>
+          <p:cNvSpPr>
+            <a:spLocks noGrp="1"/>
+          </p:cNvSpPr>
+          <p:nvPr>
+            <p:ph type="ftr" sz="quarter" idx="11"/>
+          </p:nvPr>
+        </p:nvSpPr>
+        <p:spPr/>
+        <p:txBody>
+          <a:bodyPr/>
+          <a:lstStyle/>
+          <a:p>
+            <a:r>
+              <a:rPr lang="en-US"/>
+              <a:t>© 2018 Ori Calvo</a:t>
+            </a:r>
+            <a:endParaRPr lang="en-US" dirty="0"/>
+          </a:p>
+        </p:txBody>
+      </p:sp>
+      <p:sp>
+        <p:nvSpPr>
+          <p:cNvPr id="4" name="Slide Number Placeholder 3">
+            <a:extLst>
+              <a:ext uri="{FF2B5EF4-FFF2-40B4-BE49-F238E27FC236}">
+                <a16:creationId xmlns:a16="http://schemas.microsoft.com/office/drawing/2014/main" id="{FF33164E-5DCF-4C79-8C55-AE6B7A4B5B7E}"/>
+              </a:ext>
+            </a:extLst>
+          </p:cNvPr>
+          <p:cNvSpPr>
+            <a:spLocks noGrp="1"/>
+          </p:cNvSpPr>
+          <p:nvPr>
+            <p:ph type="sldNum" sz="quarter" idx="12"/>
+          </p:nvPr>
+        </p:nvSpPr>
+        <p:spPr/>
+        <p:txBody>
+          <a:bodyPr>
+            <a:normAutofit fontScale="85000" lnSpcReduction="20000"/>
+          </a:bodyPr>
+          <a:lstStyle/>
+          <a:p>
+            <a:fld id="{87B78B44-2135-4DB2-B732-E7D5FFF77B6A}" type="slidenum">
+              <a:rPr lang="en-US" smtClean="0"/>
+              <a:pPr/>
+              <a:t>21</a:t>
+            </a:fld>
+            <a:endParaRPr lang="en-US"/>
+          </a:p>
+        </p:txBody>
+      </p:sp>
+      <p:sp>
+        <p:nvSpPr>
+          <p:cNvPr id="5" name="Content Placeholder 4">
+            <a:extLst>
+              <a:ext uri="{FF2B5EF4-FFF2-40B4-BE49-F238E27FC236}">
+                <a16:creationId xmlns:a16="http://schemas.microsoft.com/office/drawing/2014/main" id="{66909540-3162-4E09-AC03-8EB972DD3C4B}"/>
+              </a:ext>
+            </a:extLst>
+          </p:cNvPr>
+          <p:cNvSpPr>
+            <a:spLocks noGrp="1"/>
+          </p:cNvSpPr>
+          <p:nvPr>
+            <p:ph sz="quarter" idx="1"/>
+          </p:nvPr>
+        </p:nvSpPr>
+        <p:spPr/>
+        <p:txBody>
+          <a:bodyPr/>
+          <a:lstStyle/>
+          <a:p>
+            <a:r>
+              <a:rPr lang="en-US" dirty="0"/>
+              <a:t>Next version supports new capabilities</a:t>
+            </a:r>
+          </a:p>
+          <a:p>
+            <a:pPr lvl="1"/>
+            <a:r>
+              <a:rPr lang="en-US" dirty="0"/>
+              <a:t>SASS</a:t>
+            </a:r>
+          </a:p>
+          <a:p>
+            <a:pPr lvl="1"/>
+            <a:r>
+              <a:rPr lang="en-US" dirty="0"/>
+              <a:t>CSS Modules</a:t>
+            </a:r>
+          </a:p>
+          <a:p>
+            <a:pPr lvl="1"/>
+            <a:r>
+              <a:rPr lang="en-US" dirty="0" err="1"/>
+              <a:t>Lerna</a:t>
+            </a:r>
+            <a:endParaRPr lang="en-US" dirty="0"/>
+          </a:p>
+          <a:p>
+            <a:pPr lvl="1"/>
+            <a:r>
+              <a:rPr lang="en-US" dirty="0"/>
+              <a:t>ES6 compatible </a:t>
+            </a:r>
+            <a:r>
+              <a:rPr lang="en-US" dirty="0" err="1"/>
+              <a:t>uglification</a:t>
+            </a:r>
+            <a:endParaRPr lang="en-US" dirty="0"/>
+          </a:p>
+          <a:p>
+            <a:pPr lvl="1"/>
+            <a:r>
+              <a:rPr lang="en-US" dirty="0"/>
+              <a:t>More …</a:t>
+            </a:r>
+          </a:p>
+          <a:p>
+            <a:pPr lvl="1"/>
+            <a:endParaRPr lang="he-IL" dirty="0"/>
+          </a:p>
+        </p:txBody>
+      </p:sp>
+      <p:sp>
+        <p:nvSpPr>
+          <p:cNvPr id="6" name="Rectangle 5">
+            <a:extLst>
+              <a:ext uri="{FF2B5EF4-FFF2-40B4-BE49-F238E27FC236}">
+                <a16:creationId xmlns:a16="http://schemas.microsoft.com/office/drawing/2014/main" id="{A2A7EE2C-ABB7-4A66-9206-62693F2B7ADF}"/>
+              </a:ext>
+            </a:extLst>
+          </p:cNvPr>
+          <p:cNvSpPr/>
+          <p:nvPr/>
+        </p:nvSpPr>
+        <p:spPr>
+          <a:xfrm>
+            <a:off x="647564" y="5157192"/>
+            <a:ext cx="7848872" cy="369332"/>
+          </a:xfrm>
+          <a:prstGeom prst="rect">
+            <a:avLst/>
+          </a:prstGeom>
+          <a:solidFill>
+            <a:schemeClr val="accent1">
+              <a:lumMod val="40000"/>
+              <a:lumOff val="60000"/>
+            </a:schemeClr>
+          </a:solidFill>
+        </p:spPr>
+        <p:txBody>
+          <a:bodyPr wrap="square">
+            <a:spAutoFit/>
+          </a:bodyPr>
+          <a:lstStyle/>
+          <a:p>
+            <a:r>
+              <a:rPr lang="he-IL" dirty="0"/>
+              <a:t>npx create-react-app@next --scripts-version=2.0.1 app-created-with-latest-scripts</a:t>
+            </a:r>
+          </a:p>
+        </p:txBody>
+      </p:sp>
+    </p:spTree>
+    <p:extLst>
+      <p:ext uri="{BB962C8B-B14F-4D97-AF65-F5344CB8AC3E}">
+        <p14:creationId xmlns:p14="http://schemas.microsoft.com/office/powerpoint/2010/main" val="4278064060"/>
+      </p:ext>
+    </p:extLst>
+  </p:cSld>
+  <p:clrMapOvr>
+    <a:masterClrMapping/>
+  </p:clrMapOvr>
+</p:sld>
+</file>
+
+<file path=ppt/slides/slide22.xml><?xml version="1.0" encoding="utf-8"?>
+<p:sld xmlns:a="http://schemas.openxmlformats.org/drawingml/2006/main" xmlns:r="http://schemas.openxmlformats.org/officeDocument/2006/relationships" xmlns:p="http://schemas.openxmlformats.org/presentationml/2006/main">
+  <p:cSld>
+    <p:spTree>
+      <p:nvGrpSpPr>
+        <p:cNvPr id="1" name=""/>
+        <p:cNvGrpSpPr/>
+        <p:nvPr/>
+      </p:nvGrpSpPr>
+      <p:grpSpPr>
+        <a:xfrm>
+          <a:off x="0" y="0"/>
+          <a:ext cx="0" cy="0"/>
+          <a:chOff x="0" y="0"/>
+          <a:chExt cx="0" cy="0"/>
+        </a:xfrm>
+      </p:grpSpPr>
+      <p:sp>
+        <p:nvSpPr>
+          <p:cNvPr id="2" name="Title 1">
+            <a:extLst>
+              <a:ext uri="{FF2B5EF4-FFF2-40B4-BE49-F238E27FC236}">
                 <a16:creationId xmlns:a16="http://schemas.microsoft.com/office/drawing/2014/main" id="{EB27E580-F7B9-4E02-95FB-7A1AB3C1B0E6}"/>
               </a:ext>
             </a:extLst>
@@ -17650,7 +18243,7 @@
             <a:fld id="{87B78B44-2135-4DB2-B732-E7D5FFF77B6A}" type="slidenum">
               <a:rPr lang="en-US" smtClean="0"/>
               <a:pPr/>
-              <a:t>20</a:t>
+              <a:t>22</a:t>
             </a:fld>
             <a:endParaRPr lang="en-US"/>
           </a:p>
@@ -17703,13 +18296,8 @@
             </a:r>
             <a:r>
               <a:rPr lang="en-US" dirty="0"/>
-              <a:t> as </a:t>
-            </a:r>
-            <a:r>
-              <a:rPr lang="en-US" dirty="0" err="1"/>
-              <a:t>usuall</a:t>
-            </a:r>
-            <a:endParaRPr lang="en-US" dirty="0"/>
+              <a:t> as usual</a:t>
+            </a:r>
           </a:p>
           <a:p>
             <a:endParaRPr lang="he-IL" dirty="0"/>
@@ -17782,7 +18370,7 @@
 </p:sld>
 </file>
 
-<file path=ppt/slides/slide21.xml><?xml version="1.0" encoding="utf-8"?>
+<file path=ppt/slides/slide23.xml><?xml version="1.0" encoding="utf-8"?>
 <p:sld xmlns:a="http://schemas.openxmlformats.org/drawingml/2006/main" xmlns:r="http://schemas.openxmlformats.org/officeDocument/2006/relationships" xmlns:p="http://schemas.openxmlformats.org/presentationml/2006/main">
   <p:cSld>
     <p:spTree>
@@ -17883,7 +18471,7 @@
             <a:fld id="{87B78B44-2135-4DB2-B732-E7D5FFF77B6A}" type="slidenum">
               <a:rPr lang="en-US" smtClean="0"/>
               <a:pPr/>
-              <a:t>21</a:t>
+              <a:t>23</a:t>
             </a:fld>
             <a:endParaRPr lang="en-US"/>
           </a:p>
@@ -17918,12 +18506,6 @@
           <a:p>
             <a:r>
               <a:rPr lang="en-US" dirty="0"/>
-              <a:t>This is great since Webpack is no intuitive</a:t>
-            </a:r>
-          </a:p>
-          <a:p>
-            <a:r>
-              <a:rPr lang="en-US" dirty="0"/>
               <a:t>However, deep customization requires playing with Webpack configuration directly</a:t>
             </a:r>
           </a:p>
@@ -17949,7 +18531,7 @@
 </p:sld>
 </file>
 
-<file path=ppt/slides/slide22.xml><?xml version="1.0" encoding="utf-8"?>
+<file path=ppt/slides/slide24.xml><?xml version="1.0" encoding="utf-8"?>
 <p:sld xmlns:a="http://schemas.openxmlformats.org/drawingml/2006/main" xmlns:r="http://schemas.openxmlformats.org/officeDocument/2006/relationships" xmlns:p="http://schemas.openxmlformats.org/presentationml/2006/main">
   <p:cSld>
     <p:spTree>
@@ -18050,7 +18632,7 @@
             <a:fld id="{87B78B44-2135-4DB2-B732-E7D5FFF77B6A}" type="slidenum">
               <a:rPr lang="en-US" smtClean="0"/>
               <a:pPr/>
-              <a:t>22</a:t>
+              <a:t>24</a:t>
             </a:fld>
             <a:endParaRPr lang="en-US"/>
           </a:p>
@@ -18107,6 +18689,27 @@
               <a:rPr lang="en-US" dirty="0"/>
               <a:t>Evolve gradually</a:t>
             </a:r>
+          </a:p>
+          <a:p>
+            <a:pPr lvl="1"/>
+            <a:r>
+              <a:rPr lang="en-US" dirty="0"/>
+              <a:t>See my own </a:t>
+            </a:r>
+            <a:r>
+              <a:rPr lang="en-US"/>
+              <a:t>seed project at </a:t>
+            </a:r>
+            <a:r>
+              <a:rPr lang="en-US">
+                <a:hlinkClick r:id="rId2"/>
+              </a:rPr>
+              <a:t>https://github.com/oricalvo/react-seed</a:t>
+            </a:r>
+            <a:endParaRPr lang="en-US"/>
+          </a:p>
+          <a:p>
+            <a:pPr lvl="1"/>
             <a:endParaRPr lang="he-IL" dirty="0"/>
           </a:p>
         </p:txBody>
@@ -18124,7 +18727,7 @@
 </p:sld>
 </file>
 
-<file path=ppt/slides/slide23.xml><?xml version="1.0" encoding="utf-8"?>
+<file path=ppt/slides/slide25.xml><?xml version="1.0" encoding="utf-8"?>
 <p:sld xmlns:a="http://schemas.openxmlformats.org/drawingml/2006/main" xmlns:r="http://schemas.openxmlformats.org/officeDocument/2006/relationships" xmlns:p="http://schemas.openxmlformats.org/presentationml/2006/main">
   <p:cSld>
     <p:spTree>
@@ -18225,7 +18828,7 @@
             <a:fld id="{87B78B44-2135-4DB2-B732-E7D5FFF77B6A}" type="slidenum">
               <a:rPr lang="en-US" smtClean="0"/>
               <a:pPr/>
-              <a:t>23</a:t>
+              <a:t>25</a:t>
             </a:fld>
             <a:endParaRPr lang="en-US"/>
           </a:p>
@@ -18252,6 +18855,32 @@
           <a:bodyPr/>
           <a:lstStyle/>
           <a:p>
+            <a:r>
+              <a:rPr lang="en-US" dirty="0"/>
+              <a:t>Using create-react-app it very easy to start a new application</a:t>
+            </a:r>
+          </a:p>
+          <a:p>
+            <a:r>
+              <a:rPr lang="en-US" dirty="0"/>
+              <a:t>React application consists of many components</a:t>
+            </a:r>
+          </a:p>
+          <a:p>
+            <a:r>
+              <a:rPr lang="en-US" dirty="0"/>
+              <a:t>A component is just a class</a:t>
+            </a:r>
+          </a:p>
+          <a:p>
+            <a:r>
+              <a:rPr lang="en-US" dirty="0"/>
+              <a:t>JSX is compiled to </a:t>
+            </a:r>
+            <a:r>
+              <a:rPr lang="en-US"/>
+              <a:t>plain JavaScript</a:t>
+            </a:r>
             <a:endParaRPr lang="he-IL" dirty="0"/>
           </a:p>
         </p:txBody>
@@ -18592,7 +19221,7 @@
           <a:p>
             <a:r>
               <a:rPr lang="en-US" dirty="0"/>
-              <a:t>Lets start with first option …</a:t>
+              <a:t>Lets start with the first option …</a:t>
             </a:r>
           </a:p>
           <a:p>
@@ -20961,7 +21590,7 @@
           <a:p>
             <a:r>
               <a:rPr lang="en-US" dirty="0"/>
-              <a:t>Implement the </a:t>
+              <a:t>Implements the </a:t>
             </a:r>
             <a:r>
               <a:rPr lang="en-US" dirty="0">
@@ -21571,7 +22200,7 @@
         <p:spPr>
           <a:xfrm flipV="1">
             <a:off x="3699177" y="5085184"/>
-            <a:ext cx="800815" cy="730182"/>
+            <a:ext cx="1232863" cy="730182"/>
           </a:xfrm>
           <a:prstGeom prst="straightConnector1">
             <a:avLst/>
